--- a/Kubernetes2.pptx
+++ b/Kubernetes2.pptx
@@ -5,7 +5,7 @@
     <p:sldMasterId id="2147483713" r:id="rId1"/>
   </p:sldMasterIdLst>
   <p:notesMasterIdLst>
-    <p:notesMasterId r:id="rId28"/>
+    <p:notesMasterId r:id="rId32"/>
   </p:notesMasterIdLst>
   <p:sldIdLst>
     <p:sldId id="256" r:id="rId2"/>
@@ -34,6 +34,10 @@
     <p:sldId id="279" r:id="rId25"/>
     <p:sldId id="280" r:id="rId26"/>
     <p:sldId id="281" r:id="rId27"/>
+    <p:sldId id="282" r:id="rId28"/>
+    <p:sldId id="284" r:id="rId29"/>
+    <p:sldId id="283" r:id="rId30"/>
+    <p:sldId id="285" r:id="rId31"/>
   </p:sldIdLst>
   <p:sldSz cx="12192000" cy="6858000"/>
   <p:notesSz cx="6858000" cy="9144000"/>
@@ -7401,6 +7405,13 @@
   <p:transition>
     <p:wipe dir="r"/>
   </p:transition>
+  <p:timing>
+    <p:tnLst>
+      <p:par>
+        <p:cTn id="1" dur="indefinite" restart="never" nodeType="tmRoot"/>
+      </p:par>
+    </p:tnLst>
+  </p:timing>
 </p:sld>
 </file>
 
@@ -7518,6 +7529,13 @@
   <p:transition>
     <p:wipe dir="r"/>
   </p:transition>
+  <p:timing>
+    <p:tnLst>
+      <p:par>
+        <p:cTn id="1" dur="indefinite" restart="never" nodeType="tmRoot"/>
+      </p:par>
+    </p:tnLst>
+  </p:timing>
 </p:sld>
 </file>
 
@@ -8060,6 +8078,13 @@
   <p:transition>
     <p:wipe dir="r"/>
   </p:transition>
+  <p:timing>
+    <p:tnLst>
+      <p:par>
+        <p:cTn id="1" dur="indefinite" restart="never" nodeType="tmRoot"/>
+      </p:par>
+    </p:tnLst>
+  </p:timing>
 </p:sld>
 </file>
 
@@ -8255,6 +8280,13 @@
   <p:transition>
     <p:wipe dir="r"/>
   </p:transition>
+  <p:timing>
+    <p:tnLst>
+      <p:par>
+        <p:cTn id="1" dur="indefinite" restart="never" nodeType="tmRoot"/>
+      </p:par>
+    </p:tnLst>
+  </p:timing>
 </p:sld>
 </file>
 
@@ -11760,6 +11792,711 @@
 </p:sld>
 </file>
 
+<file path=ppt/slides/slide27.xml><?xml version="1.0" encoding="utf-8"?>
+<p:sld xmlns:a="http://schemas.openxmlformats.org/drawingml/2006/main" xmlns:r="http://schemas.openxmlformats.org/officeDocument/2006/relationships" xmlns:p="http://schemas.openxmlformats.org/presentationml/2006/main">
+  <p:cSld>
+    <p:spTree>
+      <p:nvGrpSpPr>
+        <p:cNvPr id="1" name=""/>
+        <p:cNvGrpSpPr/>
+        <p:nvPr/>
+      </p:nvGrpSpPr>
+      <p:grpSpPr>
+        <a:xfrm>
+          <a:off x="0" y="0"/>
+          <a:ext cx="0" cy="0"/>
+          <a:chOff x="0" y="0"/>
+          <a:chExt cx="0" cy="0"/>
+        </a:xfrm>
+      </p:grpSpPr>
+      <p:sp>
+        <p:nvSpPr>
+          <p:cNvPr id="2" name="Título 1"/>
+          <p:cNvSpPr>
+            <a:spLocks noGrp="1"/>
+          </p:cNvSpPr>
+          <p:nvPr>
+            <p:ph type="title"/>
+          </p:nvPr>
+        </p:nvSpPr>
+        <p:spPr/>
+        <p:txBody>
+          <a:bodyPr/>
+          <a:lstStyle/>
+          <a:p>
+            <a:r>
+              <a:rPr lang="es-MX" dirty="0" smtClean="0"/>
+              <a:t>2.- </a:t>
+            </a:r>
+            <a:r>
+              <a:rPr lang="es-MX" dirty="0" err="1" smtClean="0"/>
+              <a:t>Docker</a:t>
+            </a:r>
+            <a:r>
+              <a:rPr lang="es-MX" dirty="0" smtClean="0"/>
+              <a:t> – Persistencia de datos en contenedores</a:t>
+            </a:r>
+            <a:endParaRPr lang="es-MX" dirty="0"/>
+          </a:p>
+        </p:txBody>
+      </p:sp>
+      <p:sp>
+        <p:nvSpPr>
+          <p:cNvPr id="3" name="Marcador de contenido 2"/>
+          <p:cNvSpPr>
+            <a:spLocks noGrp="1"/>
+          </p:cNvSpPr>
+          <p:nvPr>
+            <p:ph idx="1"/>
+          </p:nvPr>
+        </p:nvSpPr>
+        <p:spPr/>
+        <p:txBody>
+          <a:bodyPr/>
+          <a:lstStyle/>
+          <a:p>
+            <a:pPr marL="0" indent="0">
+              <a:buNone/>
+            </a:pPr>
+            <a:r>
+              <a:rPr lang="en-US" sz="2800" dirty="0">
+                <a:solidFill>
+                  <a:schemeClr val="accent1"/>
+                </a:solidFill>
+              </a:rPr>
+              <a:t>• Containers are usually immutable and ephemeral</a:t>
+            </a:r>
+          </a:p>
+          <a:p>
+            <a:pPr marL="0" indent="0">
+              <a:buNone/>
+            </a:pPr>
+            <a:r>
+              <a:rPr lang="en-US" sz="2800" dirty="0">
+                <a:solidFill>
+                  <a:schemeClr val="accent1"/>
+                </a:solidFill>
+              </a:rPr>
+              <a:t>• "immutable infrastructure": only re-deploy containers, never change</a:t>
+            </a:r>
+          </a:p>
+          <a:p>
+            <a:pPr marL="0" indent="0">
+              <a:buNone/>
+            </a:pPr>
+            <a:r>
+              <a:rPr lang="en-US" sz="2800" dirty="0">
+                <a:solidFill>
+                  <a:schemeClr val="accent1"/>
+                </a:solidFill>
+              </a:rPr>
+              <a:t>• This is the ideal scenario, but what about databases, or unique</a:t>
+            </a:r>
+          </a:p>
+          <a:p>
+            <a:pPr marL="0" indent="0">
+              <a:buNone/>
+            </a:pPr>
+            <a:r>
+              <a:rPr lang="en-US" sz="2800" dirty="0">
+                <a:solidFill>
+                  <a:schemeClr val="accent1"/>
+                </a:solidFill>
+              </a:rPr>
+              <a:t>data?</a:t>
+            </a:r>
+          </a:p>
+          <a:p>
+            <a:pPr marL="0" indent="0">
+              <a:buNone/>
+            </a:pPr>
+            <a:r>
+              <a:rPr lang="en-US" sz="2800" dirty="0">
+                <a:solidFill>
+                  <a:schemeClr val="accent1"/>
+                </a:solidFill>
+              </a:rPr>
+              <a:t>• Docker gives us features to ensure these "separation of concerns"</a:t>
+            </a:r>
+          </a:p>
+          <a:p>
+            <a:pPr marL="0" indent="0">
+              <a:buNone/>
+            </a:pPr>
+            <a:r>
+              <a:rPr lang="en-US" sz="2800" dirty="0">
+                <a:solidFill>
+                  <a:schemeClr val="accent1"/>
+                </a:solidFill>
+              </a:rPr>
+              <a:t>• This is known as "persistent data"</a:t>
+            </a:r>
+          </a:p>
+          <a:p>
+            <a:pPr marL="0" indent="0">
+              <a:buNone/>
+            </a:pPr>
+            <a:r>
+              <a:rPr lang="en-US" sz="2800" dirty="0">
+                <a:solidFill>
+                  <a:schemeClr val="accent1"/>
+                </a:solidFill>
+              </a:rPr>
+              <a:t>• Two ways: Volumes and Bind Mounts</a:t>
+            </a:r>
+          </a:p>
+          <a:p>
+            <a:pPr marL="0" indent="0">
+              <a:buNone/>
+            </a:pPr>
+            <a:r>
+              <a:rPr lang="en-US" sz="2800" dirty="0">
+                <a:solidFill>
+                  <a:schemeClr val="accent1"/>
+                </a:solidFill>
+              </a:rPr>
+              <a:t>• Volumes: make special location outside of container UFS</a:t>
+            </a:r>
+          </a:p>
+          <a:p>
+            <a:pPr marL="0" indent="0">
+              <a:buNone/>
+            </a:pPr>
+            <a:r>
+              <a:rPr lang="en-US" sz="2800" dirty="0">
+                <a:solidFill>
+                  <a:schemeClr val="accent1"/>
+                </a:solidFill>
+              </a:rPr>
+              <a:t>• Bind Mounts: link container path to host path</a:t>
+            </a:r>
+            <a:endParaRPr lang="es-MX" sz="2800" dirty="0">
+              <a:solidFill>
+                <a:schemeClr val="accent1"/>
+              </a:solidFill>
+            </a:endParaRPr>
+          </a:p>
+        </p:txBody>
+      </p:sp>
+    </p:spTree>
+    <p:extLst>
+      <p:ext uri="{BB962C8B-B14F-4D97-AF65-F5344CB8AC3E}">
+        <p14:creationId xmlns:p14="http://schemas.microsoft.com/office/powerpoint/2010/main" val="3222893522"/>
+      </p:ext>
+    </p:extLst>
+  </p:cSld>
+  <p:clrMapOvr>
+    <a:masterClrMapping/>
+  </p:clrMapOvr>
+  <p:transition>
+    <p:wipe dir="r"/>
+  </p:transition>
+  <p:timing>
+    <p:tnLst>
+      <p:par>
+        <p:cTn id="1" dur="indefinite" restart="never" nodeType="tmRoot"/>
+      </p:par>
+    </p:tnLst>
+  </p:timing>
+</p:sld>
+</file>
+
+<file path=ppt/slides/slide28.xml><?xml version="1.0" encoding="utf-8"?>
+<p:sld xmlns:a="http://schemas.openxmlformats.org/drawingml/2006/main" xmlns:r="http://schemas.openxmlformats.org/officeDocument/2006/relationships" xmlns:p="http://schemas.openxmlformats.org/presentationml/2006/main">
+  <p:cSld>
+    <p:spTree>
+      <p:nvGrpSpPr>
+        <p:cNvPr id="1" name=""/>
+        <p:cNvGrpSpPr/>
+        <p:nvPr/>
+      </p:nvGrpSpPr>
+      <p:grpSpPr>
+        <a:xfrm>
+          <a:off x="0" y="0"/>
+          <a:ext cx="0" cy="0"/>
+          <a:chOff x="0" y="0"/>
+          <a:chExt cx="0" cy="0"/>
+        </a:xfrm>
+      </p:grpSpPr>
+      <p:sp>
+        <p:nvSpPr>
+          <p:cNvPr id="2" name="Título 1"/>
+          <p:cNvSpPr>
+            <a:spLocks noGrp="1"/>
+          </p:cNvSpPr>
+          <p:nvPr>
+            <p:ph type="title"/>
+          </p:nvPr>
+        </p:nvSpPr>
+        <p:spPr/>
+        <p:txBody>
+          <a:bodyPr/>
+          <a:lstStyle/>
+          <a:p>
+            <a:r>
+              <a:rPr lang="es-MX" dirty="0" smtClean="0"/>
+              <a:t>2.- </a:t>
+            </a:r>
+            <a:r>
+              <a:rPr lang="es-MX" dirty="0" err="1" smtClean="0"/>
+              <a:t>Docker</a:t>
+            </a:r>
+            <a:r>
+              <a:rPr lang="es-MX" dirty="0" smtClean="0"/>
+              <a:t> - </a:t>
+            </a:r>
+            <a:r>
+              <a:rPr lang="es-MX" dirty="0" err="1" smtClean="0"/>
+              <a:t>Volumes</a:t>
+            </a:r>
+            <a:endParaRPr lang="es-MX" dirty="0"/>
+          </a:p>
+        </p:txBody>
+      </p:sp>
+      <p:sp>
+        <p:nvSpPr>
+          <p:cNvPr id="3" name="Marcador de contenido 2"/>
+          <p:cNvSpPr>
+            <a:spLocks noGrp="1"/>
+          </p:cNvSpPr>
+          <p:nvPr>
+            <p:ph idx="1"/>
+          </p:nvPr>
+        </p:nvSpPr>
+        <p:spPr/>
+        <p:txBody>
+          <a:bodyPr/>
+          <a:lstStyle/>
+          <a:p>
+            <a:pPr marL="0" indent="0">
+              <a:buNone/>
+            </a:pPr>
+            <a:r>
+              <a:rPr lang="en-US" dirty="0">
+                <a:solidFill>
+                  <a:schemeClr val="accent1"/>
+                </a:solidFill>
+              </a:rPr>
+              <a:t>• VOLUME command in </a:t>
+            </a:r>
+            <a:r>
+              <a:rPr lang="en-US" dirty="0" err="1">
+                <a:solidFill>
+                  <a:schemeClr val="accent1"/>
+                </a:solidFill>
+              </a:rPr>
+              <a:t>Dockerfile</a:t>
+            </a:r>
+            <a:endParaRPr lang="en-US" dirty="0">
+              <a:solidFill>
+                <a:schemeClr val="accent1"/>
+              </a:solidFill>
+            </a:endParaRPr>
+          </a:p>
+          <a:p>
+            <a:pPr marL="0" indent="0">
+              <a:buNone/>
+            </a:pPr>
+            <a:r>
+              <a:rPr lang="en-US" dirty="0">
+                <a:solidFill>
+                  <a:schemeClr val="accent1"/>
+                </a:solidFill>
+              </a:rPr>
+              <a:t>• Also override with </a:t>
+            </a:r>
+            <a:r>
+              <a:rPr lang="en-US" dirty="0" err="1">
+                <a:solidFill>
+                  <a:schemeClr val="accent1"/>
+                </a:solidFill>
+              </a:rPr>
+              <a:t>docker</a:t>
+            </a:r>
+            <a:r>
+              <a:rPr lang="en-US" dirty="0">
+                <a:solidFill>
+                  <a:schemeClr val="accent1"/>
+                </a:solidFill>
+              </a:rPr>
+              <a:t> run -v /path/in/container</a:t>
+            </a:r>
+          </a:p>
+          <a:p>
+            <a:pPr marL="0" indent="0">
+              <a:buNone/>
+            </a:pPr>
+            <a:r>
+              <a:rPr lang="en-US" dirty="0">
+                <a:solidFill>
+                  <a:schemeClr val="accent1"/>
+                </a:solidFill>
+              </a:rPr>
+              <a:t>• Bypasses Union File System and stores in alt location on host</a:t>
+            </a:r>
+          </a:p>
+          <a:p>
+            <a:pPr marL="0" indent="0">
+              <a:buNone/>
+            </a:pPr>
+            <a:r>
+              <a:rPr lang="en-US" dirty="0">
+                <a:solidFill>
+                  <a:schemeClr val="accent1"/>
+                </a:solidFill>
+              </a:rPr>
+              <a:t>• Includes it's own management commands under </a:t>
+            </a:r>
+            <a:r>
+              <a:rPr lang="en-US" dirty="0" err="1">
+                <a:solidFill>
+                  <a:schemeClr val="accent1"/>
+                </a:solidFill>
+              </a:rPr>
+              <a:t>docker</a:t>
+            </a:r>
+            <a:r>
+              <a:rPr lang="en-US" dirty="0">
+                <a:solidFill>
+                  <a:schemeClr val="accent1"/>
+                </a:solidFill>
+              </a:rPr>
+              <a:t> volume</a:t>
+            </a:r>
+          </a:p>
+          <a:p>
+            <a:pPr marL="0" indent="0">
+              <a:buNone/>
+            </a:pPr>
+            <a:r>
+              <a:rPr lang="en-US" dirty="0">
+                <a:solidFill>
+                  <a:schemeClr val="accent1"/>
+                </a:solidFill>
+              </a:rPr>
+              <a:t>• Connect to none, one, or multiple containers at </a:t>
+            </a:r>
+            <a:r>
+              <a:rPr lang="en-US" dirty="0" smtClean="0">
+                <a:solidFill>
+                  <a:schemeClr val="accent1"/>
+                </a:solidFill>
+              </a:rPr>
+              <a:t>once</a:t>
+            </a:r>
+          </a:p>
+          <a:p>
+            <a:pPr marL="0" indent="0">
+              <a:buNone/>
+            </a:pPr>
+            <a:r>
+              <a:rPr lang="en-US" dirty="0" smtClean="0">
+                <a:solidFill>
+                  <a:schemeClr val="accent1"/>
+                </a:solidFill>
+              </a:rPr>
+              <a:t>• </a:t>
+            </a:r>
+            <a:r>
+              <a:rPr lang="en-US" dirty="0">
+                <a:solidFill>
+                  <a:schemeClr val="accent1"/>
+                </a:solidFill>
+              </a:rPr>
+              <a:t>By default they only have a unique ID, but you can assign name</a:t>
+            </a:r>
+          </a:p>
+          <a:p>
+            <a:pPr marL="0" indent="0">
+              <a:buNone/>
+            </a:pPr>
+            <a:r>
+              <a:rPr lang="en-US" dirty="0">
+                <a:solidFill>
+                  <a:schemeClr val="accent1"/>
+                </a:solidFill>
+              </a:rPr>
+              <a:t>• Then it's a "named volume"</a:t>
+            </a:r>
+            <a:endParaRPr lang="es-MX" dirty="0">
+              <a:solidFill>
+                <a:schemeClr val="accent1"/>
+              </a:solidFill>
+            </a:endParaRPr>
+          </a:p>
+        </p:txBody>
+      </p:sp>
+    </p:spTree>
+    <p:extLst>
+      <p:ext uri="{BB962C8B-B14F-4D97-AF65-F5344CB8AC3E}">
+        <p14:creationId xmlns:p14="http://schemas.microsoft.com/office/powerpoint/2010/main" val="2523450614"/>
+      </p:ext>
+    </p:extLst>
+  </p:cSld>
+  <p:clrMapOvr>
+    <a:masterClrMapping/>
+  </p:clrMapOvr>
+  <p:transition>
+    <p:wipe dir="r"/>
+  </p:transition>
+</p:sld>
+</file>
+
+<file path=ppt/slides/slide29.xml><?xml version="1.0" encoding="utf-8"?>
+<p:sld xmlns:a="http://schemas.openxmlformats.org/drawingml/2006/main" xmlns:r="http://schemas.openxmlformats.org/officeDocument/2006/relationships" xmlns:p="http://schemas.openxmlformats.org/presentationml/2006/main">
+  <p:cSld>
+    <p:spTree>
+      <p:nvGrpSpPr>
+        <p:cNvPr id="1" name=""/>
+        <p:cNvGrpSpPr/>
+        <p:nvPr/>
+      </p:nvGrpSpPr>
+      <p:grpSpPr>
+        <a:xfrm>
+          <a:off x="0" y="0"/>
+          <a:ext cx="0" cy="0"/>
+          <a:chOff x="0" y="0"/>
+          <a:chExt cx="0" cy="0"/>
+        </a:xfrm>
+      </p:grpSpPr>
+      <p:sp>
+        <p:nvSpPr>
+          <p:cNvPr id="2" name="Título 1"/>
+          <p:cNvSpPr>
+            <a:spLocks noGrp="1"/>
+          </p:cNvSpPr>
+          <p:nvPr>
+            <p:ph type="title"/>
+          </p:nvPr>
+        </p:nvSpPr>
+        <p:spPr/>
+        <p:txBody>
+          <a:bodyPr/>
+          <a:lstStyle/>
+          <a:p>
+            <a:r>
+              <a:rPr lang="es-MX" dirty="0" smtClean="0"/>
+              <a:t>2.- </a:t>
+            </a:r>
+            <a:r>
+              <a:rPr lang="es-MX" dirty="0" err="1" smtClean="0"/>
+              <a:t>Docker</a:t>
+            </a:r>
+            <a:r>
+              <a:rPr lang="es-MX" dirty="0" smtClean="0"/>
+              <a:t> – </a:t>
+            </a:r>
+            <a:r>
+              <a:rPr lang="es-MX" dirty="0" err="1" smtClean="0"/>
+              <a:t>Bind</a:t>
+            </a:r>
+            <a:endParaRPr lang="es-MX" dirty="0"/>
+          </a:p>
+        </p:txBody>
+      </p:sp>
+      <p:sp>
+        <p:nvSpPr>
+          <p:cNvPr id="3" name="Marcador de contenido 2"/>
+          <p:cNvSpPr>
+            <a:spLocks noGrp="1"/>
+          </p:cNvSpPr>
+          <p:nvPr>
+            <p:ph idx="1"/>
+          </p:nvPr>
+        </p:nvSpPr>
+        <p:spPr/>
+        <p:txBody>
+          <a:bodyPr/>
+          <a:lstStyle/>
+          <a:p>
+            <a:pPr marL="0" indent="0">
+              <a:buNone/>
+            </a:pPr>
+            <a:r>
+              <a:rPr lang="en-US" dirty="0">
+                <a:solidFill>
+                  <a:schemeClr val="accent1"/>
+                </a:solidFill>
+              </a:rPr>
+              <a:t>• Maps a host file or directory to a container file or directory</a:t>
+            </a:r>
+          </a:p>
+          <a:p>
+            <a:pPr marL="0" indent="0">
+              <a:buNone/>
+            </a:pPr>
+            <a:r>
+              <a:rPr lang="en-US" dirty="0">
+                <a:solidFill>
+                  <a:schemeClr val="accent1"/>
+                </a:solidFill>
+              </a:rPr>
+              <a:t>• Basically just two locations pointing to the same file(s)</a:t>
+            </a:r>
+          </a:p>
+          <a:p>
+            <a:pPr marL="0" indent="0">
+              <a:buNone/>
+            </a:pPr>
+            <a:r>
+              <a:rPr lang="en-US" dirty="0">
+                <a:solidFill>
+                  <a:schemeClr val="accent1"/>
+                </a:solidFill>
+              </a:rPr>
+              <a:t>• Again, skips UFS, and host files overwrite any in container</a:t>
+            </a:r>
+          </a:p>
+          <a:p>
+            <a:pPr marL="0" indent="0">
+              <a:buNone/>
+            </a:pPr>
+            <a:r>
+              <a:rPr lang="en-US" dirty="0">
+                <a:solidFill>
+                  <a:schemeClr val="accent1"/>
+                </a:solidFill>
+              </a:rPr>
+              <a:t>• Can't use in </a:t>
+            </a:r>
+            <a:r>
+              <a:rPr lang="en-US" dirty="0" err="1">
+                <a:solidFill>
+                  <a:schemeClr val="accent1"/>
+                </a:solidFill>
+              </a:rPr>
+              <a:t>Dockerfile</a:t>
+            </a:r>
+            <a:r>
+              <a:rPr lang="en-US" dirty="0">
+                <a:solidFill>
+                  <a:schemeClr val="accent1"/>
+                </a:solidFill>
+              </a:rPr>
+              <a:t>, must be at container run</a:t>
+            </a:r>
+          </a:p>
+          <a:p>
+            <a:pPr marL="0" indent="0">
+              <a:buNone/>
+            </a:pPr>
+            <a:r>
+              <a:rPr lang="en-US" dirty="0">
+                <a:solidFill>
+                  <a:schemeClr val="accent1"/>
+                </a:solidFill>
+              </a:rPr>
+              <a:t>• ... run -v </a:t>
+            </a:r>
+            <a:r>
+              <a:rPr lang="en-US" dirty="0" smtClean="0">
+                <a:solidFill>
+                  <a:schemeClr val="accent1"/>
+                </a:solidFill>
+              </a:rPr>
+              <a:t>/home/</a:t>
+            </a:r>
+            <a:r>
+              <a:rPr lang="en-US" dirty="0" err="1" smtClean="0">
+                <a:solidFill>
+                  <a:schemeClr val="accent1"/>
+                </a:solidFill>
+              </a:rPr>
+              <a:t>gera</a:t>
+            </a:r>
+            <a:r>
+              <a:rPr lang="en-US" dirty="0" smtClean="0">
+                <a:solidFill>
+                  <a:schemeClr val="accent1"/>
+                </a:solidFill>
+              </a:rPr>
+              <a:t>/</a:t>
+            </a:r>
+            <a:r>
+              <a:rPr lang="en-US" dirty="0" err="1" smtClean="0">
+                <a:solidFill>
+                  <a:schemeClr val="accent1"/>
+                </a:solidFill>
+              </a:rPr>
+              <a:t>somestuff</a:t>
+            </a:r>
+            <a:r>
+              <a:rPr lang="en-US" dirty="0">
+                <a:solidFill>
+                  <a:schemeClr val="accent1"/>
+                </a:solidFill>
+              </a:rPr>
+              <a:t>:/</a:t>
+            </a:r>
+            <a:r>
+              <a:rPr lang="en-US" dirty="0" smtClean="0">
+                <a:solidFill>
+                  <a:schemeClr val="accent1"/>
+                </a:solidFill>
+              </a:rPr>
+              <a:t>path/container </a:t>
+            </a:r>
+          </a:p>
+          <a:p>
+            <a:pPr marL="0" indent="0">
+              <a:buNone/>
+            </a:pPr>
+            <a:r>
+              <a:rPr lang="en-US" dirty="0" smtClean="0">
+                <a:solidFill>
+                  <a:schemeClr val="accent1"/>
+                </a:solidFill>
+              </a:rPr>
+              <a:t>• </a:t>
+            </a:r>
+            <a:r>
+              <a:rPr lang="en-US" dirty="0">
+                <a:solidFill>
+                  <a:schemeClr val="accent1"/>
+                </a:solidFill>
+              </a:rPr>
+              <a:t>The main difference a bind mount has from a volume is that since it can exist anywhere on the host </a:t>
+            </a:r>
+            <a:r>
+              <a:rPr lang="en-US" dirty="0" err="1">
+                <a:solidFill>
+                  <a:schemeClr val="accent1"/>
+                </a:solidFill>
+              </a:rPr>
+              <a:t>filesystem</a:t>
+            </a:r>
+            <a:r>
+              <a:rPr lang="en-US" dirty="0">
+                <a:solidFill>
+                  <a:schemeClr val="accent1"/>
+                </a:solidFill>
+              </a:rPr>
+              <a:t>, processes outside of Docker can also modify it.</a:t>
+            </a:r>
+            <a:endParaRPr lang="es-MX" dirty="0">
+              <a:solidFill>
+                <a:schemeClr val="accent1"/>
+              </a:solidFill>
+            </a:endParaRPr>
+          </a:p>
+        </p:txBody>
+      </p:sp>
+    </p:spTree>
+    <p:extLst>
+      <p:ext uri="{BB962C8B-B14F-4D97-AF65-F5344CB8AC3E}">
+        <p14:creationId xmlns:p14="http://schemas.microsoft.com/office/powerpoint/2010/main" val="1655953500"/>
+      </p:ext>
+    </p:extLst>
+  </p:cSld>
+  <p:clrMapOvr>
+    <a:masterClrMapping/>
+  </p:clrMapOvr>
+  <p:transition>
+    <p:wipe dir="r"/>
+  </p:transition>
+</p:sld>
+</file>
+
 <file path=ppt/slides/slide3.xml><?xml version="1.0" encoding="utf-8"?>
 <p:sld xmlns:a="http://schemas.openxmlformats.org/drawingml/2006/main" xmlns:r="http://schemas.openxmlformats.org/officeDocument/2006/relationships" xmlns:p="http://schemas.openxmlformats.org/presentationml/2006/main">
   <p:cSld>
@@ -12153,6 +12890,219 @@
       <p:bldP spid="3" grpId="0" build="p"/>
     </p:bldLst>
   </p:timing>
+</p:sld>
+</file>
+
+<file path=ppt/slides/slide30.xml><?xml version="1.0" encoding="utf-8"?>
+<p:sld xmlns:a="http://schemas.openxmlformats.org/drawingml/2006/main" xmlns:r="http://schemas.openxmlformats.org/officeDocument/2006/relationships" xmlns:p="http://schemas.openxmlformats.org/presentationml/2006/main">
+  <p:cSld>
+    <p:spTree>
+      <p:nvGrpSpPr>
+        <p:cNvPr id="1" name=""/>
+        <p:cNvGrpSpPr/>
+        <p:nvPr/>
+      </p:nvGrpSpPr>
+      <p:grpSpPr>
+        <a:xfrm>
+          <a:off x="0" y="0"/>
+          <a:ext cx="0" cy="0"/>
+          <a:chOff x="0" y="0"/>
+          <a:chExt cx="0" cy="0"/>
+        </a:xfrm>
+      </p:grpSpPr>
+      <p:sp>
+        <p:nvSpPr>
+          <p:cNvPr id="2" name="Título 1"/>
+          <p:cNvSpPr>
+            <a:spLocks noGrp="1"/>
+          </p:cNvSpPr>
+          <p:nvPr>
+            <p:ph type="title"/>
+          </p:nvPr>
+        </p:nvSpPr>
+        <p:spPr/>
+        <p:txBody>
+          <a:bodyPr/>
+          <a:lstStyle/>
+          <a:p>
+            <a:r>
+              <a:rPr lang="es-MX" dirty="0" smtClean="0"/>
+              <a:t>2.- </a:t>
+            </a:r>
+            <a:r>
+              <a:rPr lang="es-MX" dirty="0" err="1" smtClean="0"/>
+              <a:t>Docker</a:t>
+            </a:r>
+            <a:r>
+              <a:rPr lang="es-MX" dirty="0" smtClean="0"/>
+              <a:t> – </a:t>
+            </a:r>
+            <a:r>
+              <a:rPr lang="es-MX" dirty="0" err="1" smtClean="0"/>
+              <a:t>docker-compose</a:t>
+            </a:r>
+            <a:endParaRPr lang="es-MX" dirty="0"/>
+          </a:p>
+        </p:txBody>
+      </p:sp>
+      <p:sp>
+        <p:nvSpPr>
+          <p:cNvPr id="3" name="Marcador de contenido 2"/>
+          <p:cNvSpPr>
+            <a:spLocks noGrp="1"/>
+          </p:cNvSpPr>
+          <p:nvPr>
+            <p:ph idx="1"/>
+          </p:nvPr>
+        </p:nvSpPr>
+        <p:spPr/>
+        <p:txBody>
+          <a:bodyPr/>
+          <a:lstStyle/>
+          <a:p>
+            <a:pPr marL="0" indent="0">
+              <a:buNone/>
+            </a:pPr>
+            <a:r>
+              <a:rPr lang="en-US" dirty="0"/>
+              <a:t>• </a:t>
+            </a:r>
+            <a:r>
+              <a:rPr lang="en-US" dirty="0" smtClean="0"/>
+              <a:t>Configure </a:t>
+            </a:r>
+            <a:r>
+              <a:rPr lang="en-US" dirty="0"/>
+              <a:t>relationships between containers</a:t>
+            </a:r>
+          </a:p>
+          <a:p>
+            <a:pPr marL="0" indent="0">
+              <a:buNone/>
+            </a:pPr>
+            <a:r>
+              <a:rPr lang="en-US" dirty="0"/>
+              <a:t>• </a:t>
+            </a:r>
+            <a:r>
+              <a:rPr lang="en-US" dirty="0" smtClean="0"/>
+              <a:t>Save </a:t>
+            </a:r>
+            <a:r>
+              <a:rPr lang="en-US" dirty="0"/>
+              <a:t>our </a:t>
+            </a:r>
+            <a:r>
+              <a:rPr lang="en-US" dirty="0" err="1"/>
+              <a:t>docker</a:t>
+            </a:r>
+            <a:r>
+              <a:rPr lang="en-US" dirty="0"/>
+              <a:t> container run settings in easy-to-read file</a:t>
+            </a:r>
+          </a:p>
+          <a:p>
+            <a:pPr marL="0" indent="0">
+              <a:buNone/>
+            </a:pPr>
+            <a:r>
+              <a:rPr lang="en-US" dirty="0"/>
+              <a:t>• </a:t>
+            </a:r>
+            <a:r>
+              <a:rPr lang="en-US" dirty="0" smtClean="0"/>
+              <a:t>Create </a:t>
+            </a:r>
+            <a:r>
+              <a:rPr lang="en-US" dirty="0"/>
+              <a:t>one-liner developer environment startups</a:t>
+            </a:r>
+          </a:p>
+          <a:p>
+            <a:pPr marL="0" indent="0">
+              <a:buNone/>
+            </a:pPr>
+            <a:r>
+              <a:rPr lang="en-US" dirty="0"/>
+              <a:t>• </a:t>
+            </a:r>
+            <a:r>
+              <a:rPr lang="en-US" dirty="0" smtClean="0"/>
+              <a:t>YAML-formatted </a:t>
+            </a:r>
+            <a:r>
+              <a:rPr lang="en-US" dirty="0"/>
+              <a:t>file that describes our solution options for:</a:t>
+            </a:r>
+          </a:p>
+          <a:p>
+            <a:pPr marL="400050" lvl="1" indent="0">
+              <a:buNone/>
+            </a:pPr>
+            <a:r>
+              <a:rPr lang="en-US" dirty="0"/>
+              <a:t>• containers</a:t>
+            </a:r>
+          </a:p>
+          <a:p>
+            <a:pPr marL="400050" lvl="1" indent="0">
+              <a:buNone/>
+            </a:pPr>
+            <a:r>
+              <a:rPr lang="en-US" dirty="0"/>
+              <a:t>• networks</a:t>
+            </a:r>
+          </a:p>
+          <a:p>
+            <a:pPr marL="400050" lvl="1" indent="0">
+              <a:buNone/>
+            </a:pPr>
+            <a:r>
+              <a:rPr lang="en-US" dirty="0" smtClean="0"/>
+              <a:t>• volumes</a:t>
+            </a:r>
+          </a:p>
+          <a:p>
+            <a:pPr marL="0" indent="0">
+              <a:buNone/>
+            </a:pPr>
+            <a:r>
+              <a:rPr lang="en-US" dirty="0" err="1" smtClean="0"/>
+              <a:t>docker</a:t>
+            </a:r>
+            <a:r>
+              <a:rPr lang="en-US" dirty="0" smtClean="0"/>
+              <a:t>-compose up</a:t>
+            </a:r>
+          </a:p>
+          <a:p>
+            <a:pPr marL="0" indent="0">
+              <a:buNone/>
+            </a:pPr>
+            <a:r>
+              <a:rPr lang="en-US" dirty="0" err="1" smtClean="0"/>
+              <a:t>docker</a:t>
+            </a:r>
+            <a:r>
+              <a:rPr lang="en-US" dirty="0" smtClean="0"/>
+              <a:t>-compose down</a:t>
+            </a:r>
+          </a:p>
+        </p:txBody>
+      </p:sp>
+    </p:spTree>
+    <p:extLst>
+      <p:ext uri="{BB962C8B-B14F-4D97-AF65-F5344CB8AC3E}">
+        <p14:creationId xmlns:p14="http://schemas.microsoft.com/office/powerpoint/2010/main" val="252442232"/>
+      </p:ext>
+    </p:extLst>
+  </p:cSld>
+  <p:clrMapOvr>
+    <a:masterClrMapping/>
+  </p:clrMapOvr>
+  <p:transition>
+    <p:wipe dir="r"/>
+  </p:transition>
 </p:sld>
 </file>
 

--- a/Kubernetes2.pptx
+++ b/Kubernetes2.pptx
@@ -5,7 +5,7 @@
     <p:sldMasterId id="2147483713" r:id="rId1"/>
   </p:sldMasterIdLst>
   <p:notesMasterIdLst>
-    <p:notesMasterId r:id="rId32"/>
+    <p:notesMasterId r:id="rId41"/>
   </p:notesMasterIdLst>
   <p:sldIdLst>
     <p:sldId id="256" r:id="rId2"/>
@@ -38,6 +38,15 @@
     <p:sldId id="284" r:id="rId29"/>
     <p:sldId id="283" r:id="rId30"/>
     <p:sldId id="285" r:id="rId31"/>
+    <p:sldId id="286" r:id="rId32"/>
+    <p:sldId id="287" r:id="rId33"/>
+    <p:sldId id="288" r:id="rId34"/>
+    <p:sldId id="289" r:id="rId35"/>
+    <p:sldId id="290" r:id="rId36"/>
+    <p:sldId id="291" r:id="rId37"/>
+    <p:sldId id="292" r:id="rId38"/>
+    <p:sldId id="293" r:id="rId39"/>
+    <p:sldId id="294" r:id="rId40"/>
   </p:sldIdLst>
   <p:sldSz cx="12192000" cy="6858000"/>
   <p:notesSz cx="6858000" cy="9144000"/>
@@ -13103,6 +13112,1331 @@
   <p:transition>
     <p:wipe dir="r"/>
   </p:transition>
+</p:sld>
+</file>
+
+<file path=ppt/slides/slide31.xml><?xml version="1.0" encoding="utf-8"?>
+<p:sld xmlns:a="http://schemas.openxmlformats.org/drawingml/2006/main" xmlns:r="http://schemas.openxmlformats.org/officeDocument/2006/relationships" xmlns:p="http://schemas.openxmlformats.org/presentationml/2006/main">
+  <p:cSld>
+    <p:spTree>
+      <p:nvGrpSpPr>
+        <p:cNvPr id="1" name=""/>
+        <p:cNvGrpSpPr/>
+        <p:nvPr/>
+      </p:nvGrpSpPr>
+      <p:grpSpPr>
+        <a:xfrm>
+          <a:off x="0" y="0"/>
+          <a:ext cx="0" cy="0"/>
+          <a:chOff x="0" y="0"/>
+          <a:chExt cx="0" cy="0"/>
+        </a:xfrm>
+      </p:grpSpPr>
+      <p:sp>
+        <p:nvSpPr>
+          <p:cNvPr id="2" name="Título 1"/>
+          <p:cNvSpPr>
+            <a:spLocks noGrp="1"/>
+          </p:cNvSpPr>
+          <p:nvPr>
+            <p:ph type="title"/>
+          </p:nvPr>
+        </p:nvSpPr>
+        <p:spPr/>
+        <p:txBody>
+          <a:bodyPr/>
+          <a:lstStyle/>
+          <a:p>
+            <a:r>
+              <a:rPr lang="es-MX" dirty="0" smtClean="0"/>
+              <a:t>3.- </a:t>
+            </a:r>
+            <a:r>
+              <a:rPr lang="es-MX" dirty="0" err="1" smtClean="0"/>
+              <a:t>Kubernetes</a:t>
+            </a:r>
+            <a:r>
+              <a:rPr lang="es-MX" dirty="0" smtClean="0"/>
+              <a:t> </a:t>
+            </a:r>
+            <a:r>
+              <a:rPr lang="es-MX" dirty="0" err="1" smtClean="0"/>
+              <a:t>Objects</a:t>
+            </a:r>
+            <a:r>
+              <a:rPr lang="es-MX" dirty="0" smtClean="0"/>
+              <a:t> – k8s</a:t>
+            </a:r>
+            <a:endParaRPr lang="es-MX" dirty="0"/>
+          </a:p>
+        </p:txBody>
+      </p:sp>
+      <p:sp>
+        <p:nvSpPr>
+          <p:cNvPr id="3" name="Marcador de contenido 2"/>
+          <p:cNvSpPr>
+            <a:spLocks noGrp="1"/>
+          </p:cNvSpPr>
+          <p:nvPr>
+            <p:ph idx="1"/>
+          </p:nvPr>
+        </p:nvSpPr>
+        <p:spPr>
+          <a:xfrm>
+            <a:off x="609601" y="1484313"/>
+            <a:ext cx="5943599" cy="4608512"/>
+          </a:xfrm>
+        </p:spPr>
+        <p:txBody>
+          <a:bodyPr/>
+          <a:lstStyle/>
+          <a:p>
+            <a:pPr marL="0" indent="0">
+              <a:buNone/>
+            </a:pPr>
+            <a:r>
+              <a:rPr lang="es-MX" sz="2800" dirty="0" smtClean="0">
+                <a:solidFill>
+                  <a:schemeClr val="accent1"/>
+                </a:solidFill>
+              </a:rPr>
+              <a:t>Que </a:t>
+            </a:r>
+            <a:r>
+              <a:rPr lang="es-MX" sz="2800" dirty="0">
+                <a:solidFill>
+                  <a:schemeClr val="accent1"/>
+                </a:solidFill>
+              </a:rPr>
+              <a:t>es </a:t>
+            </a:r>
+            <a:r>
+              <a:rPr lang="es-MX" sz="2800" dirty="0" err="1">
+                <a:solidFill>
+                  <a:schemeClr val="accent1"/>
+                </a:solidFill>
+              </a:rPr>
+              <a:t>Kubernetes</a:t>
+            </a:r>
+            <a:r>
+              <a:rPr lang="es-MX" sz="2800" dirty="0">
+                <a:solidFill>
+                  <a:schemeClr val="accent1"/>
+                </a:solidFill>
+              </a:rPr>
+              <a:t>?</a:t>
+            </a:r>
+          </a:p>
+          <a:p>
+            <a:r>
+              <a:rPr lang="es-MX" sz="2800" dirty="0">
+                <a:solidFill>
+                  <a:schemeClr val="accent1"/>
+                </a:solidFill>
+              </a:rPr>
+              <a:t>Es una herramienta extensible y de código abierto para gestionar cargas de trabajo y servicios en contenedores, que facilita tanto la configuración declarativa como la automatización. Tiene un ecosistema grande y de rápido crecimiento. Los servicios, el soporte y las herramientas de </a:t>
+            </a:r>
+            <a:r>
+              <a:rPr lang="es-MX" sz="2800" dirty="0" err="1">
+                <a:solidFill>
+                  <a:schemeClr val="accent1"/>
+                </a:solidFill>
+              </a:rPr>
+              <a:t>Kubernetes</a:t>
+            </a:r>
+            <a:r>
+              <a:rPr lang="es-MX" sz="2800" dirty="0">
+                <a:solidFill>
+                  <a:schemeClr val="accent1"/>
+                </a:solidFill>
+              </a:rPr>
+              <a:t> están </a:t>
+            </a:r>
+            <a:r>
+              <a:rPr lang="es-MX" sz="2800" dirty="0" err="1">
+                <a:solidFill>
+                  <a:schemeClr val="accent1"/>
+                </a:solidFill>
+              </a:rPr>
+              <a:t>amplicamente</a:t>
+            </a:r>
+            <a:r>
+              <a:rPr lang="es-MX" sz="2800" dirty="0">
+                <a:solidFill>
+                  <a:schemeClr val="accent1"/>
+                </a:solidFill>
+              </a:rPr>
+              <a:t> disponibles</a:t>
+            </a:r>
+            <a:r>
+              <a:rPr lang="es-MX" sz="2800" dirty="0" smtClean="0">
+                <a:solidFill>
+                  <a:schemeClr val="accent1"/>
+                </a:solidFill>
+              </a:rPr>
+              <a:t>.</a:t>
+            </a:r>
+            <a:endParaRPr lang="es-MX" sz="2800" dirty="0">
+              <a:solidFill>
+                <a:schemeClr val="accent1"/>
+              </a:solidFill>
+            </a:endParaRPr>
+          </a:p>
+        </p:txBody>
+      </p:sp>
+      <p:pic>
+        <p:nvPicPr>
+          <p:cNvPr id="5" name="Imagen 4"/>
+          <p:cNvPicPr>
+            <a:picLocks noChangeAspect="1"/>
+          </p:cNvPicPr>
+          <p:nvPr/>
+        </p:nvPicPr>
+        <p:blipFill>
+          <a:blip r:embed="rId2"/>
+          <a:stretch>
+            <a:fillRect/>
+          </a:stretch>
+        </p:blipFill>
+        <p:spPr>
+          <a:xfrm>
+            <a:off x="6734176" y="1716881"/>
+            <a:ext cx="5229225" cy="4143375"/>
+          </a:xfrm>
+          <a:prstGeom prst="rect">
+            <a:avLst/>
+          </a:prstGeom>
+        </p:spPr>
+      </p:pic>
+    </p:spTree>
+    <p:extLst>
+      <p:ext uri="{BB962C8B-B14F-4D97-AF65-F5344CB8AC3E}">
+        <p14:creationId xmlns:p14="http://schemas.microsoft.com/office/powerpoint/2010/main" val="1043295861"/>
+      </p:ext>
+    </p:extLst>
+  </p:cSld>
+  <p:clrMapOvr>
+    <a:masterClrMapping/>
+  </p:clrMapOvr>
+  <p:transition>
+    <p:wipe dir="r"/>
+  </p:transition>
+</p:sld>
+</file>
+
+<file path=ppt/slides/slide32.xml><?xml version="1.0" encoding="utf-8"?>
+<p:sld xmlns:a="http://schemas.openxmlformats.org/drawingml/2006/main" xmlns:r="http://schemas.openxmlformats.org/officeDocument/2006/relationships" xmlns:p="http://schemas.openxmlformats.org/presentationml/2006/main">
+  <p:cSld>
+    <p:spTree>
+      <p:nvGrpSpPr>
+        <p:cNvPr id="1" name=""/>
+        <p:cNvGrpSpPr/>
+        <p:nvPr/>
+      </p:nvGrpSpPr>
+      <p:grpSpPr>
+        <a:xfrm>
+          <a:off x="0" y="0"/>
+          <a:ext cx="0" cy="0"/>
+          <a:chOff x="0" y="0"/>
+          <a:chExt cx="0" cy="0"/>
+        </a:xfrm>
+      </p:grpSpPr>
+      <p:sp>
+        <p:nvSpPr>
+          <p:cNvPr id="2" name="Título 1"/>
+          <p:cNvSpPr>
+            <a:spLocks noGrp="1"/>
+          </p:cNvSpPr>
+          <p:nvPr>
+            <p:ph type="title"/>
+          </p:nvPr>
+        </p:nvSpPr>
+        <p:spPr/>
+        <p:txBody>
+          <a:bodyPr/>
+          <a:lstStyle/>
+          <a:p>
+            <a:r>
+              <a:rPr lang="es-MX" dirty="0" smtClean="0"/>
+              <a:t>3.- k8s </a:t>
+            </a:r>
+            <a:r>
+              <a:rPr lang="es-MX" dirty="0" err="1" smtClean="0"/>
+              <a:t>Objects</a:t>
+            </a:r>
+            <a:endParaRPr lang="es-MX" dirty="0"/>
+          </a:p>
+        </p:txBody>
+      </p:sp>
+      <p:pic>
+        <p:nvPicPr>
+          <p:cNvPr id="4" name="Imagen 3"/>
+          <p:cNvPicPr>
+            <a:picLocks noChangeAspect="1"/>
+          </p:cNvPicPr>
+          <p:nvPr/>
+        </p:nvPicPr>
+        <p:blipFill>
+          <a:blip r:embed="rId2"/>
+          <a:stretch>
+            <a:fillRect/>
+          </a:stretch>
+        </p:blipFill>
+        <p:spPr>
+          <a:xfrm>
+            <a:off x="924376" y="1317328"/>
+            <a:ext cx="9896024" cy="5134271"/>
+          </a:xfrm>
+          <a:prstGeom prst="rect">
+            <a:avLst/>
+          </a:prstGeom>
+        </p:spPr>
+      </p:pic>
+    </p:spTree>
+    <p:extLst>
+      <p:ext uri="{BB962C8B-B14F-4D97-AF65-F5344CB8AC3E}">
+        <p14:creationId xmlns:p14="http://schemas.microsoft.com/office/powerpoint/2010/main" val="1342015361"/>
+      </p:ext>
+    </p:extLst>
+  </p:cSld>
+  <p:clrMapOvr>
+    <a:masterClrMapping/>
+  </p:clrMapOvr>
+  <p:transition>
+    <p:wipe dir="r"/>
+  </p:transition>
+</p:sld>
+</file>
+
+<file path=ppt/slides/slide33.xml><?xml version="1.0" encoding="utf-8"?>
+<p:sld xmlns:a="http://schemas.openxmlformats.org/drawingml/2006/main" xmlns:r="http://schemas.openxmlformats.org/officeDocument/2006/relationships" xmlns:p="http://schemas.openxmlformats.org/presentationml/2006/main">
+  <p:cSld>
+    <p:spTree>
+      <p:nvGrpSpPr>
+        <p:cNvPr id="1" name=""/>
+        <p:cNvGrpSpPr/>
+        <p:nvPr/>
+      </p:nvGrpSpPr>
+      <p:grpSpPr>
+        <a:xfrm>
+          <a:off x="0" y="0"/>
+          <a:ext cx="0" cy="0"/>
+          <a:chOff x="0" y="0"/>
+          <a:chExt cx="0" cy="0"/>
+        </a:xfrm>
+      </p:grpSpPr>
+      <p:sp>
+        <p:nvSpPr>
+          <p:cNvPr id="2" name="Título 1"/>
+          <p:cNvSpPr>
+            <a:spLocks noGrp="1"/>
+          </p:cNvSpPr>
+          <p:nvPr>
+            <p:ph type="title"/>
+          </p:nvPr>
+        </p:nvSpPr>
+        <p:spPr/>
+        <p:txBody>
+          <a:bodyPr/>
+          <a:lstStyle/>
+          <a:p>
+            <a:r>
+              <a:rPr lang="es-MX" dirty="0" smtClean="0"/>
+              <a:t>3.- k8s </a:t>
+            </a:r>
+            <a:r>
+              <a:rPr lang="es-MX" dirty="0" err="1" smtClean="0"/>
+              <a:t>Objects</a:t>
+            </a:r>
+            <a:r>
+              <a:rPr lang="es-MX" dirty="0" smtClean="0"/>
+              <a:t> – Instalar </a:t>
+            </a:r>
+            <a:r>
+              <a:rPr lang="es-MX" dirty="0" err="1" smtClean="0"/>
+              <a:t>kubectl</a:t>
+            </a:r>
+            <a:r>
+              <a:rPr lang="es-MX" dirty="0" smtClean="0"/>
+              <a:t> y </a:t>
+            </a:r>
+            <a:r>
+              <a:rPr lang="es-MX" dirty="0" err="1" smtClean="0"/>
+              <a:t>minikube</a:t>
+            </a:r>
+            <a:endParaRPr lang="es-MX" dirty="0"/>
+          </a:p>
+        </p:txBody>
+      </p:sp>
+      <p:pic>
+        <p:nvPicPr>
+          <p:cNvPr id="4" name="Imagen 3"/>
+          <p:cNvPicPr>
+            <a:picLocks noChangeAspect="1"/>
+          </p:cNvPicPr>
+          <p:nvPr/>
+        </p:nvPicPr>
+        <p:blipFill>
+          <a:blip r:embed="rId2"/>
+          <a:stretch>
+            <a:fillRect/>
+          </a:stretch>
+        </p:blipFill>
+        <p:spPr>
+          <a:xfrm>
+            <a:off x="1790700" y="1374774"/>
+            <a:ext cx="8194675" cy="4939647"/>
+          </a:xfrm>
+          <a:prstGeom prst="rect">
+            <a:avLst/>
+          </a:prstGeom>
+        </p:spPr>
+      </p:pic>
+      <p:sp>
+        <p:nvSpPr>
+          <p:cNvPr id="5" name="Rectángulo 4"/>
+          <p:cNvSpPr/>
+          <p:nvPr/>
+        </p:nvSpPr>
+        <p:spPr>
+          <a:xfrm>
+            <a:off x="8089900" y="5003800"/>
+            <a:ext cx="1193800" cy="711200"/>
+          </a:xfrm>
+          <a:prstGeom prst="rect">
+            <a:avLst/>
+          </a:prstGeom>
+          <a:solidFill>
+            <a:schemeClr val="bg1"/>
+          </a:solidFill>
+          <a:ln>
+            <a:solidFill>
+              <a:schemeClr val="bg1"/>
+            </a:solidFill>
+          </a:ln>
+        </p:spPr>
+        <p:style>
+          <a:lnRef idx="2">
+            <a:schemeClr val="accent1">
+              <a:shade val="50000"/>
+            </a:schemeClr>
+          </a:lnRef>
+          <a:fillRef idx="1">
+            <a:schemeClr val="accent1"/>
+          </a:fillRef>
+          <a:effectRef idx="0">
+            <a:schemeClr val="accent1"/>
+          </a:effectRef>
+          <a:fontRef idx="minor">
+            <a:schemeClr val="lt1"/>
+          </a:fontRef>
+        </p:style>
+        <p:txBody>
+          <a:bodyPr rtlCol="0" anchor="ctr"/>
+          <a:lstStyle/>
+          <a:p>
+            <a:pPr algn="ctr"/>
+            <a:endParaRPr lang="es-MX"/>
+          </a:p>
+        </p:txBody>
+      </p:sp>
+    </p:spTree>
+    <p:extLst>
+      <p:ext uri="{BB962C8B-B14F-4D97-AF65-F5344CB8AC3E}">
+        <p14:creationId xmlns:p14="http://schemas.microsoft.com/office/powerpoint/2010/main" val="3247558709"/>
+      </p:ext>
+    </p:extLst>
+  </p:cSld>
+  <p:clrMapOvr>
+    <a:masterClrMapping/>
+  </p:clrMapOvr>
+  <p:transition>
+    <p:wipe dir="r"/>
+  </p:transition>
+  <p:timing>
+    <p:tnLst>
+      <p:par>
+        <p:cTn id="1" dur="indefinite" restart="never" nodeType="tmRoot"/>
+      </p:par>
+    </p:tnLst>
+  </p:timing>
+</p:sld>
+</file>
+
+<file path=ppt/slides/slide34.xml><?xml version="1.0" encoding="utf-8"?>
+<p:sld xmlns:a="http://schemas.openxmlformats.org/drawingml/2006/main" xmlns:r="http://schemas.openxmlformats.org/officeDocument/2006/relationships" xmlns:p="http://schemas.openxmlformats.org/presentationml/2006/main">
+  <p:cSld>
+    <p:spTree>
+      <p:nvGrpSpPr>
+        <p:cNvPr id="1" name=""/>
+        <p:cNvGrpSpPr/>
+        <p:nvPr/>
+      </p:nvGrpSpPr>
+      <p:grpSpPr>
+        <a:xfrm>
+          <a:off x="0" y="0"/>
+          <a:ext cx="0" cy="0"/>
+          <a:chOff x="0" y="0"/>
+          <a:chExt cx="0" cy="0"/>
+        </a:xfrm>
+      </p:grpSpPr>
+      <p:sp>
+        <p:nvSpPr>
+          <p:cNvPr id="2" name="Título 1"/>
+          <p:cNvSpPr>
+            <a:spLocks noGrp="1"/>
+          </p:cNvSpPr>
+          <p:nvPr>
+            <p:ph type="title"/>
+          </p:nvPr>
+        </p:nvSpPr>
+        <p:spPr/>
+        <p:txBody>
+          <a:bodyPr/>
+          <a:lstStyle/>
+          <a:p>
+            <a:r>
+              <a:rPr lang="es-MX" dirty="0" smtClean="0"/>
+              <a:t>3.- k8s </a:t>
+            </a:r>
+            <a:r>
+              <a:rPr lang="es-MX" dirty="0" err="1" smtClean="0"/>
+              <a:t>Objects</a:t>
+            </a:r>
+            <a:r>
+              <a:rPr lang="es-MX" dirty="0" smtClean="0"/>
+              <a:t> - POD</a:t>
+            </a:r>
+            <a:endParaRPr lang="es-MX" dirty="0"/>
+          </a:p>
+        </p:txBody>
+      </p:sp>
+      <p:sp>
+        <p:nvSpPr>
+          <p:cNvPr id="3" name="Marcador de contenido 2"/>
+          <p:cNvSpPr>
+            <a:spLocks noGrp="1"/>
+          </p:cNvSpPr>
+          <p:nvPr>
+            <p:ph idx="1"/>
+          </p:nvPr>
+        </p:nvSpPr>
+        <p:spPr>
+          <a:xfrm>
+            <a:off x="609601" y="1484313"/>
+            <a:ext cx="5816599" cy="2559049"/>
+          </a:xfrm>
+        </p:spPr>
+        <p:txBody>
+          <a:bodyPr/>
+          <a:lstStyle/>
+          <a:p>
+            <a:pPr marL="0" indent="0">
+              <a:buNone/>
+            </a:pPr>
+            <a:r>
+              <a:rPr lang="es-MX" b="1" dirty="0" err="1">
+                <a:solidFill>
+                  <a:schemeClr val="accent1"/>
+                </a:solidFill>
+              </a:rPr>
+              <a:t>Pods</a:t>
+            </a:r>
+            <a:endParaRPr lang="es-MX" b="1" dirty="0">
+              <a:solidFill>
+                <a:schemeClr val="accent1"/>
+              </a:solidFill>
+            </a:endParaRPr>
+          </a:p>
+          <a:p>
+            <a:pPr marL="0" indent="0">
+              <a:buNone/>
+            </a:pPr>
+            <a:r>
+              <a:rPr lang="es-MX" dirty="0">
+                <a:solidFill>
+                  <a:schemeClr val="accent1"/>
+                </a:solidFill>
+              </a:rPr>
+              <a:t>Los </a:t>
+            </a:r>
+            <a:r>
+              <a:rPr lang="es-MX" i="1" dirty="0" err="1">
+                <a:solidFill>
+                  <a:schemeClr val="accent1"/>
+                </a:solidFill>
+              </a:rPr>
+              <a:t>Pods</a:t>
+            </a:r>
+            <a:r>
+              <a:rPr lang="es-MX" dirty="0">
+                <a:solidFill>
+                  <a:schemeClr val="accent1"/>
+                </a:solidFill>
+              </a:rPr>
+              <a:t> son las unidades de computación desplegables más pequeñas que se pueden crear y gestionar en </a:t>
+            </a:r>
+            <a:r>
+              <a:rPr lang="es-MX" dirty="0" err="1">
+                <a:solidFill>
+                  <a:schemeClr val="accent1"/>
+                </a:solidFill>
+              </a:rPr>
+              <a:t>Kubernetes</a:t>
+            </a:r>
+            <a:r>
+              <a:rPr lang="es-MX" dirty="0" smtClean="0">
+                <a:solidFill>
+                  <a:schemeClr val="accent1"/>
+                </a:solidFill>
+              </a:rPr>
+              <a:t>.</a:t>
+            </a:r>
+            <a:endParaRPr lang="es-MX" dirty="0">
+              <a:solidFill>
+                <a:schemeClr val="accent1"/>
+              </a:solidFill>
+            </a:endParaRPr>
+          </a:p>
+        </p:txBody>
+      </p:sp>
+      <p:pic>
+        <p:nvPicPr>
+          <p:cNvPr id="5" name="Imagen 4"/>
+          <p:cNvPicPr>
+            <a:picLocks noChangeAspect="1"/>
+          </p:cNvPicPr>
+          <p:nvPr/>
+        </p:nvPicPr>
+        <p:blipFill rotWithShape="1">
+          <a:blip r:embed="rId2"/>
+          <a:srcRect l="3739" r="10953"/>
+          <a:stretch/>
+        </p:blipFill>
+        <p:spPr>
+          <a:xfrm>
+            <a:off x="6718301" y="1484313"/>
+            <a:ext cx="5143500" cy="2724150"/>
+          </a:xfrm>
+          <a:prstGeom prst="rect">
+            <a:avLst/>
+          </a:prstGeom>
+        </p:spPr>
+      </p:pic>
+      <p:pic>
+        <p:nvPicPr>
+          <p:cNvPr id="6" name="Imagen 5"/>
+          <p:cNvPicPr>
+            <a:picLocks noChangeAspect="1"/>
+          </p:cNvPicPr>
+          <p:nvPr/>
+        </p:nvPicPr>
+        <p:blipFill>
+          <a:blip r:embed="rId3"/>
+          <a:stretch>
+            <a:fillRect/>
+          </a:stretch>
+        </p:blipFill>
+        <p:spPr>
+          <a:xfrm>
+            <a:off x="496887" y="4043362"/>
+            <a:ext cx="5838825" cy="2552700"/>
+          </a:xfrm>
+          <a:prstGeom prst="rect">
+            <a:avLst/>
+          </a:prstGeom>
+        </p:spPr>
+      </p:pic>
+      <p:pic>
+        <p:nvPicPr>
+          <p:cNvPr id="7" name="Imagen 6"/>
+          <p:cNvPicPr>
+            <a:picLocks noChangeAspect="1"/>
+          </p:cNvPicPr>
+          <p:nvPr/>
+        </p:nvPicPr>
+        <p:blipFill>
+          <a:blip r:embed="rId4"/>
+          <a:stretch>
+            <a:fillRect/>
+          </a:stretch>
+        </p:blipFill>
+        <p:spPr>
+          <a:xfrm>
+            <a:off x="7397750" y="4533900"/>
+            <a:ext cx="3543300" cy="1828800"/>
+          </a:xfrm>
+          <a:prstGeom prst="rect">
+            <a:avLst/>
+          </a:prstGeom>
+        </p:spPr>
+      </p:pic>
+    </p:spTree>
+    <p:extLst>
+      <p:ext uri="{BB962C8B-B14F-4D97-AF65-F5344CB8AC3E}">
+        <p14:creationId xmlns:p14="http://schemas.microsoft.com/office/powerpoint/2010/main" val="2934903922"/>
+      </p:ext>
+    </p:extLst>
+  </p:cSld>
+  <p:clrMapOvr>
+    <a:masterClrMapping/>
+  </p:clrMapOvr>
+  <p:transition>
+    <p:wipe dir="r"/>
+  </p:transition>
+  <p:timing>
+    <p:tnLst>
+      <p:par>
+        <p:cTn id="1" dur="indefinite" restart="never" nodeType="tmRoot">
+          <p:childTnLst>
+            <p:seq concurrent="1" nextAc="seek">
+              <p:cTn id="2" dur="indefinite" nodeType="mainSeq">
+                <p:childTnLst>
+                  <p:par>
+                    <p:cTn id="3" fill="hold">
+                      <p:stCondLst>
+                        <p:cond delay="indefinite"/>
+                      </p:stCondLst>
+                      <p:childTnLst>
+                        <p:par>
+                          <p:cTn id="4" fill="hold">
+                            <p:stCondLst>
+                              <p:cond delay="0"/>
+                            </p:stCondLst>
+                            <p:childTnLst>
+                              <p:par>
+                                <p:cTn id="5" presetID="1" presetClass="entr" presetSubtype="0" fill="hold" nodeType="clickEffect">
+                                  <p:stCondLst>
+                                    <p:cond delay="0"/>
+                                  </p:stCondLst>
+                                  <p:childTnLst>
+                                    <p:set>
+                                      <p:cBhvr>
+                                        <p:cTn id="6" dur="1" fill="hold">
+                                          <p:stCondLst>
+                                            <p:cond delay="0"/>
+                                          </p:stCondLst>
+                                        </p:cTn>
+                                        <p:tgtEl>
+                                          <p:spTgt spid="6"/>
+                                        </p:tgtEl>
+                                        <p:attrNameLst>
+                                          <p:attrName>style.visibility</p:attrName>
+                                        </p:attrNameLst>
+                                      </p:cBhvr>
+                                      <p:to>
+                                        <p:strVal val="visible"/>
+                                      </p:to>
+                                    </p:set>
+                                  </p:childTnLst>
+                                </p:cTn>
+                              </p:par>
+                              <p:par>
+                                <p:cTn id="7" presetID="1" presetClass="entr" presetSubtype="0" fill="hold" nodeType="withEffect">
+                                  <p:stCondLst>
+                                    <p:cond delay="0"/>
+                                  </p:stCondLst>
+                                  <p:childTnLst>
+                                    <p:set>
+                                      <p:cBhvr>
+                                        <p:cTn id="8" dur="1" fill="hold">
+                                          <p:stCondLst>
+                                            <p:cond delay="0"/>
+                                          </p:stCondLst>
+                                        </p:cTn>
+                                        <p:tgtEl>
+                                          <p:spTgt spid="7"/>
+                                        </p:tgtEl>
+                                        <p:attrNameLst>
+                                          <p:attrName>style.visibility</p:attrName>
+                                        </p:attrNameLst>
+                                      </p:cBhvr>
+                                      <p:to>
+                                        <p:strVal val="visible"/>
+                                      </p:to>
+                                    </p:set>
+                                  </p:childTnLst>
+                                </p:cTn>
+                              </p:par>
+                            </p:childTnLst>
+                          </p:cTn>
+                        </p:par>
+                      </p:childTnLst>
+                    </p:cTn>
+                  </p:par>
+                </p:childTnLst>
+              </p:cTn>
+              <p:prevCondLst>
+                <p:cond evt="onPrev" delay="0">
+                  <p:tgtEl>
+                    <p:sldTgt/>
+                  </p:tgtEl>
+                </p:cond>
+              </p:prevCondLst>
+              <p:nextCondLst>
+                <p:cond evt="onNext" delay="0">
+                  <p:tgtEl>
+                    <p:sldTgt/>
+                  </p:tgtEl>
+                </p:cond>
+              </p:nextCondLst>
+            </p:seq>
+          </p:childTnLst>
+        </p:cTn>
+      </p:par>
+    </p:tnLst>
+  </p:timing>
+</p:sld>
+</file>
+
+<file path=ppt/slides/slide35.xml><?xml version="1.0" encoding="utf-8"?>
+<p:sld xmlns:a="http://schemas.openxmlformats.org/drawingml/2006/main" xmlns:r="http://schemas.openxmlformats.org/officeDocument/2006/relationships" xmlns:p="http://schemas.openxmlformats.org/presentationml/2006/main">
+  <p:cSld>
+    <p:spTree>
+      <p:nvGrpSpPr>
+        <p:cNvPr id="1" name=""/>
+        <p:cNvGrpSpPr/>
+        <p:nvPr/>
+      </p:nvGrpSpPr>
+      <p:grpSpPr>
+        <a:xfrm>
+          <a:off x="0" y="0"/>
+          <a:ext cx="0" cy="0"/>
+          <a:chOff x="0" y="0"/>
+          <a:chExt cx="0" cy="0"/>
+        </a:xfrm>
+      </p:grpSpPr>
+      <p:sp>
+        <p:nvSpPr>
+          <p:cNvPr id="2" name="Título 1"/>
+          <p:cNvSpPr>
+            <a:spLocks noGrp="1"/>
+          </p:cNvSpPr>
+          <p:nvPr>
+            <p:ph type="title"/>
+          </p:nvPr>
+        </p:nvSpPr>
+        <p:spPr/>
+        <p:txBody>
+          <a:bodyPr/>
+          <a:lstStyle/>
+          <a:p>
+            <a:r>
+              <a:rPr lang="es-MX" dirty="0" smtClean="0"/>
+              <a:t>3.- k8s </a:t>
+            </a:r>
+            <a:r>
+              <a:rPr lang="es-MX" dirty="0" err="1" smtClean="0"/>
+              <a:t>Objects</a:t>
+            </a:r>
+            <a:r>
+              <a:rPr lang="es-MX" dirty="0" smtClean="0"/>
+              <a:t> – YAML in </a:t>
+            </a:r>
+            <a:r>
+              <a:rPr lang="es-MX" dirty="0" err="1" smtClean="0"/>
+              <a:t>kubernetes</a:t>
+            </a:r>
+            <a:endParaRPr lang="es-MX" dirty="0"/>
+          </a:p>
+        </p:txBody>
+      </p:sp>
+      <p:pic>
+        <p:nvPicPr>
+          <p:cNvPr id="4" name="Imagen 3"/>
+          <p:cNvPicPr>
+            <a:picLocks noChangeAspect="1"/>
+          </p:cNvPicPr>
+          <p:nvPr/>
+        </p:nvPicPr>
+        <p:blipFill>
+          <a:blip r:embed="rId2"/>
+          <a:stretch>
+            <a:fillRect/>
+          </a:stretch>
+        </p:blipFill>
+        <p:spPr>
+          <a:xfrm>
+            <a:off x="609601" y="1444624"/>
+            <a:ext cx="9967123" cy="4854575"/>
+          </a:xfrm>
+          <a:prstGeom prst="rect">
+            <a:avLst/>
+          </a:prstGeom>
+        </p:spPr>
+      </p:pic>
+    </p:spTree>
+    <p:extLst>
+      <p:ext uri="{BB962C8B-B14F-4D97-AF65-F5344CB8AC3E}">
+        <p14:creationId xmlns:p14="http://schemas.microsoft.com/office/powerpoint/2010/main" val="599373581"/>
+      </p:ext>
+    </p:extLst>
+  </p:cSld>
+  <p:clrMapOvr>
+    <a:masterClrMapping/>
+  </p:clrMapOvr>
+  <p:transition>
+    <p:wipe dir="r"/>
+  </p:transition>
+  <p:timing>
+    <p:tnLst>
+      <p:par>
+        <p:cTn id="1" dur="indefinite" restart="never" nodeType="tmRoot"/>
+      </p:par>
+    </p:tnLst>
+  </p:timing>
+</p:sld>
+</file>
+
+<file path=ppt/slides/slide36.xml><?xml version="1.0" encoding="utf-8"?>
+<p:sld xmlns:a="http://schemas.openxmlformats.org/drawingml/2006/main" xmlns:r="http://schemas.openxmlformats.org/officeDocument/2006/relationships" xmlns:p="http://schemas.openxmlformats.org/presentationml/2006/main">
+  <p:cSld>
+    <p:spTree>
+      <p:nvGrpSpPr>
+        <p:cNvPr id="1" name=""/>
+        <p:cNvGrpSpPr/>
+        <p:nvPr/>
+      </p:nvGrpSpPr>
+      <p:grpSpPr>
+        <a:xfrm>
+          <a:off x="0" y="0"/>
+          <a:ext cx="0" cy="0"/>
+          <a:chOff x="0" y="0"/>
+          <a:chExt cx="0" cy="0"/>
+        </a:xfrm>
+      </p:grpSpPr>
+      <p:sp>
+        <p:nvSpPr>
+          <p:cNvPr id="2" name="Título 1"/>
+          <p:cNvSpPr>
+            <a:spLocks noGrp="1"/>
+          </p:cNvSpPr>
+          <p:nvPr>
+            <p:ph type="title"/>
+          </p:nvPr>
+        </p:nvSpPr>
+        <p:spPr/>
+        <p:txBody>
+          <a:bodyPr/>
+          <a:lstStyle/>
+          <a:p>
+            <a:r>
+              <a:rPr lang="es-MX" dirty="0" smtClean="0"/>
+              <a:t>3.- k8s </a:t>
+            </a:r>
+            <a:r>
+              <a:rPr lang="es-MX" dirty="0" err="1" smtClean="0"/>
+              <a:t>Objects</a:t>
+            </a:r>
+            <a:r>
+              <a:rPr lang="es-MX" dirty="0" smtClean="0"/>
+              <a:t> – </a:t>
+            </a:r>
+            <a:r>
+              <a:rPr lang="es-MX" dirty="0" err="1" smtClean="0"/>
+              <a:t>Replication</a:t>
+            </a:r>
+            <a:r>
+              <a:rPr lang="es-MX" dirty="0" smtClean="0"/>
+              <a:t> </a:t>
+            </a:r>
+            <a:r>
+              <a:rPr lang="es-MX" dirty="0" err="1" smtClean="0"/>
+              <a:t>Controller</a:t>
+            </a:r>
+            <a:r>
+              <a:rPr lang="es-MX" dirty="0" smtClean="0"/>
+              <a:t> &amp; </a:t>
+            </a:r>
+            <a:r>
+              <a:rPr lang="es-MX" dirty="0" err="1" smtClean="0"/>
+              <a:t>Replicaset</a:t>
+            </a:r>
+            <a:endParaRPr lang="es-MX" dirty="0"/>
+          </a:p>
+        </p:txBody>
+      </p:sp>
+      <p:pic>
+        <p:nvPicPr>
+          <p:cNvPr id="4" name="Imagen 3"/>
+          <p:cNvPicPr>
+            <a:picLocks noChangeAspect="1"/>
+          </p:cNvPicPr>
+          <p:nvPr/>
+        </p:nvPicPr>
+        <p:blipFill>
+          <a:blip r:embed="rId2"/>
+          <a:stretch>
+            <a:fillRect/>
+          </a:stretch>
+        </p:blipFill>
+        <p:spPr>
+          <a:xfrm>
+            <a:off x="1906587" y="2257378"/>
+            <a:ext cx="7833514" cy="3597322"/>
+          </a:xfrm>
+          <a:prstGeom prst="rect">
+            <a:avLst/>
+          </a:prstGeom>
+        </p:spPr>
+      </p:pic>
+      <p:pic>
+        <p:nvPicPr>
+          <p:cNvPr id="5" name="Imagen 4"/>
+          <p:cNvPicPr>
+            <a:picLocks noChangeAspect="1"/>
+          </p:cNvPicPr>
+          <p:nvPr/>
+        </p:nvPicPr>
+        <p:blipFill>
+          <a:blip r:embed="rId3"/>
+          <a:stretch>
+            <a:fillRect/>
+          </a:stretch>
+        </p:blipFill>
+        <p:spPr>
+          <a:xfrm>
+            <a:off x="1509670" y="1800654"/>
+            <a:ext cx="8967830" cy="4206445"/>
+          </a:xfrm>
+          <a:prstGeom prst="rect">
+            <a:avLst/>
+          </a:prstGeom>
+        </p:spPr>
+      </p:pic>
+    </p:spTree>
+    <p:extLst>
+      <p:ext uri="{BB962C8B-B14F-4D97-AF65-F5344CB8AC3E}">
+        <p14:creationId xmlns:p14="http://schemas.microsoft.com/office/powerpoint/2010/main" val="597528124"/>
+      </p:ext>
+    </p:extLst>
+  </p:cSld>
+  <p:clrMapOvr>
+    <a:masterClrMapping/>
+  </p:clrMapOvr>
+  <p:transition>
+    <p:wipe dir="r"/>
+  </p:transition>
+  <p:timing>
+    <p:tnLst>
+      <p:par>
+        <p:cTn id="1" dur="indefinite" restart="never" nodeType="tmRoot"/>
+      </p:par>
+    </p:tnLst>
+  </p:timing>
+</p:sld>
+</file>
+
+<file path=ppt/slides/slide37.xml><?xml version="1.0" encoding="utf-8"?>
+<p:sld xmlns:a="http://schemas.openxmlformats.org/drawingml/2006/main" xmlns:r="http://schemas.openxmlformats.org/officeDocument/2006/relationships" xmlns:p="http://schemas.openxmlformats.org/presentationml/2006/main">
+  <p:cSld>
+    <p:spTree>
+      <p:nvGrpSpPr>
+        <p:cNvPr id="1" name=""/>
+        <p:cNvGrpSpPr/>
+        <p:nvPr/>
+      </p:nvGrpSpPr>
+      <p:grpSpPr>
+        <a:xfrm>
+          <a:off x="0" y="0"/>
+          <a:ext cx="0" cy="0"/>
+          <a:chOff x="0" y="0"/>
+          <a:chExt cx="0" cy="0"/>
+        </a:xfrm>
+      </p:grpSpPr>
+      <p:sp>
+        <p:nvSpPr>
+          <p:cNvPr id="2" name="Título 1"/>
+          <p:cNvSpPr>
+            <a:spLocks noGrp="1"/>
+          </p:cNvSpPr>
+          <p:nvPr>
+            <p:ph type="title"/>
+          </p:nvPr>
+        </p:nvSpPr>
+        <p:spPr/>
+        <p:txBody>
+          <a:bodyPr/>
+          <a:lstStyle/>
+          <a:p>
+            <a:r>
+              <a:rPr lang="es-MX" dirty="0" smtClean="0"/>
+              <a:t>3.- k8s </a:t>
+            </a:r>
+            <a:r>
+              <a:rPr lang="es-MX" dirty="0" err="1" smtClean="0"/>
+              <a:t>Objects</a:t>
+            </a:r>
+            <a:r>
+              <a:rPr lang="es-MX" dirty="0" smtClean="0"/>
+              <a:t> - </a:t>
+            </a:r>
+            <a:r>
+              <a:rPr lang="es-MX" dirty="0" err="1" smtClean="0"/>
+              <a:t>Deployment</a:t>
+            </a:r>
+            <a:endParaRPr lang="es-MX" dirty="0"/>
+          </a:p>
+        </p:txBody>
+      </p:sp>
+      <p:pic>
+        <p:nvPicPr>
+          <p:cNvPr id="4" name="Imagen 3"/>
+          <p:cNvPicPr>
+            <a:picLocks noChangeAspect="1"/>
+          </p:cNvPicPr>
+          <p:nvPr/>
+        </p:nvPicPr>
+        <p:blipFill>
+          <a:blip r:embed="rId2"/>
+          <a:stretch>
+            <a:fillRect/>
+          </a:stretch>
+        </p:blipFill>
+        <p:spPr>
+          <a:xfrm>
+            <a:off x="717550" y="1511300"/>
+            <a:ext cx="10839452" cy="4859530"/>
+          </a:xfrm>
+          <a:prstGeom prst="rect">
+            <a:avLst/>
+          </a:prstGeom>
+        </p:spPr>
+      </p:pic>
+    </p:spTree>
+    <p:extLst>
+      <p:ext uri="{BB962C8B-B14F-4D97-AF65-F5344CB8AC3E}">
+        <p14:creationId xmlns:p14="http://schemas.microsoft.com/office/powerpoint/2010/main" val="2953812266"/>
+      </p:ext>
+    </p:extLst>
+  </p:cSld>
+  <p:clrMapOvr>
+    <a:masterClrMapping/>
+  </p:clrMapOvr>
+  <p:transition>
+    <p:wipe dir="r"/>
+  </p:transition>
+  <p:timing>
+    <p:tnLst>
+      <p:par>
+        <p:cTn id="1" dur="indefinite" restart="never" nodeType="tmRoot"/>
+      </p:par>
+    </p:tnLst>
+  </p:timing>
+</p:sld>
+</file>
+
+<file path=ppt/slides/slide38.xml><?xml version="1.0" encoding="utf-8"?>
+<p:sld xmlns:a="http://schemas.openxmlformats.org/drawingml/2006/main" xmlns:r="http://schemas.openxmlformats.org/officeDocument/2006/relationships" xmlns:p="http://schemas.openxmlformats.org/presentationml/2006/main">
+  <p:cSld>
+    <p:spTree>
+      <p:nvGrpSpPr>
+        <p:cNvPr id="1" name=""/>
+        <p:cNvGrpSpPr/>
+        <p:nvPr/>
+      </p:nvGrpSpPr>
+      <p:grpSpPr>
+        <a:xfrm>
+          <a:off x="0" y="0"/>
+          <a:ext cx="0" cy="0"/>
+          <a:chOff x="0" y="0"/>
+          <a:chExt cx="0" cy="0"/>
+        </a:xfrm>
+      </p:grpSpPr>
+      <p:sp>
+        <p:nvSpPr>
+          <p:cNvPr id="2" name="Título 1"/>
+          <p:cNvSpPr>
+            <a:spLocks noGrp="1"/>
+          </p:cNvSpPr>
+          <p:nvPr>
+            <p:ph type="title"/>
+          </p:nvPr>
+        </p:nvSpPr>
+        <p:spPr/>
+        <p:txBody>
+          <a:bodyPr/>
+          <a:lstStyle/>
+          <a:p>
+            <a:r>
+              <a:rPr lang="es-MX" dirty="0" smtClean="0"/>
+              <a:t>3.- k8s </a:t>
+            </a:r>
+            <a:r>
+              <a:rPr lang="es-MX" dirty="0" err="1" smtClean="0"/>
+              <a:t>Objects</a:t>
+            </a:r>
+            <a:r>
+              <a:rPr lang="es-MX" dirty="0" smtClean="0"/>
+              <a:t> – </a:t>
+            </a:r>
+            <a:r>
+              <a:rPr lang="es-MX" dirty="0" err="1" smtClean="0"/>
+              <a:t>Rollout</a:t>
+            </a:r>
+            <a:r>
+              <a:rPr lang="es-MX" dirty="0" smtClean="0"/>
+              <a:t> &amp; </a:t>
+            </a:r>
+            <a:r>
+              <a:rPr lang="es-MX" dirty="0" err="1" smtClean="0"/>
+              <a:t>Versioning</a:t>
+            </a:r>
+            <a:endParaRPr lang="es-MX" dirty="0"/>
+          </a:p>
+        </p:txBody>
+      </p:sp>
+      <p:pic>
+        <p:nvPicPr>
+          <p:cNvPr id="4" name="Imagen 3"/>
+          <p:cNvPicPr>
+            <a:picLocks noChangeAspect="1"/>
+          </p:cNvPicPr>
+          <p:nvPr/>
+        </p:nvPicPr>
+        <p:blipFill>
+          <a:blip r:embed="rId2"/>
+          <a:stretch>
+            <a:fillRect/>
+          </a:stretch>
+        </p:blipFill>
+        <p:spPr>
+          <a:xfrm>
+            <a:off x="1091258" y="1922462"/>
+            <a:ext cx="9554517" cy="4160838"/>
+          </a:xfrm>
+          <a:prstGeom prst="rect">
+            <a:avLst/>
+          </a:prstGeom>
+        </p:spPr>
+      </p:pic>
+    </p:spTree>
+    <p:extLst>
+      <p:ext uri="{BB962C8B-B14F-4D97-AF65-F5344CB8AC3E}">
+        <p14:creationId xmlns:p14="http://schemas.microsoft.com/office/powerpoint/2010/main" val="3579528625"/>
+      </p:ext>
+    </p:extLst>
+  </p:cSld>
+  <p:clrMapOvr>
+    <a:masterClrMapping/>
+  </p:clrMapOvr>
+  <p:transition>
+    <p:wipe dir="r"/>
+  </p:transition>
+  <p:timing>
+    <p:tnLst>
+      <p:par>
+        <p:cTn id="1" dur="indefinite" restart="never" nodeType="tmRoot"/>
+      </p:par>
+    </p:tnLst>
+  </p:timing>
+</p:sld>
+</file>
+
+<file path=ppt/slides/slide39.xml><?xml version="1.0" encoding="utf-8"?>
+<p:sld xmlns:a="http://schemas.openxmlformats.org/drawingml/2006/main" xmlns:r="http://schemas.openxmlformats.org/officeDocument/2006/relationships" xmlns:p="http://schemas.openxmlformats.org/presentationml/2006/main">
+  <p:cSld>
+    <p:spTree>
+      <p:nvGrpSpPr>
+        <p:cNvPr id="1" name=""/>
+        <p:cNvGrpSpPr/>
+        <p:nvPr/>
+      </p:nvGrpSpPr>
+      <p:grpSpPr>
+        <a:xfrm>
+          <a:off x="0" y="0"/>
+          <a:ext cx="0" cy="0"/>
+          <a:chOff x="0" y="0"/>
+          <a:chExt cx="0" cy="0"/>
+        </a:xfrm>
+      </p:grpSpPr>
+      <p:sp>
+        <p:nvSpPr>
+          <p:cNvPr id="2" name="Título 1"/>
+          <p:cNvSpPr>
+            <a:spLocks noGrp="1"/>
+          </p:cNvSpPr>
+          <p:nvPr>
+            <p:ph type="title"/>
+          </p:nvPr>
+        </p:nvSpPr>
+        <p:spPr/>
+        <p:txBody>
+          <a:bodyPr/>
+          <a:lstStyle/>
+          <a:p>
+            <a:r>
+              <a:rPr lang="es-MX" dirty="0" smtClean="0"/>
+              <a:t>3.- k8s </a:t>
+            </a:r>
+            <a:r>
+              <a:rPr lang="es-MX" dirty="0" err="1" smtClean="0"/>
+              <a:t>Objects</a:t>
+            </a:r>
+            <a:r>
+              <a:rPr lang="es-MX" dirty="0" smtClean="0"/>
+              <a:t> – </a:t>
+            </a:r>
+            <a:r>
+              <a:rPr lang="es-MX" dirty="0" err="1" smtClean="0"/>
+              <a:t>Deployment</a:t>
+            </a:r>
+            <a:r>
+              <a:rPr lang="es-MX" dirty="0" smtClean="0"/>
+              <a:t> </a:t>
+            </a:r>
+            <a:r>
+              <a:rPr lang="es-MX" dirty="0" err="1" smtClean="0"/>
+              <a:t>Statregy</a:t>
+            </a:r>
+            <a:endParaRPr lang="es-MX" dirty="0"/>
+          </a:p>
+        </p:txBody>
+      </p:sp>
+      <p:pic>
+        <p:nvPicPr>
+          <p:cNvPr id="4" name="Imagen 3"/>
+          <p:cNvPicPr>
+            <a:picLocks noChangeAspect="1"/>
+          </p:cNvPicPr>
+          <p:nvPr/>
+        </p:nvPicPr>
+        <p:blipFill>
+          <a:blip r:embed="rId2"/>
+          <a:stretch>
+            <a:fillRect/>
+          </a:stretch>
+        </p:blipFill>
+        <p:spPr>
+          <a:xfrm>
+            <a:off x="533401" y="1522412"/>
+            <a:ext cx="11207749" cy="4819332"/>
+          </a:xfrm>
+          <a:prstGeom prst="rect">
+            <a:avLst/>
+          </a:prstGeom>
+        </p:spPr>
+      </p:pic>
+    </p:spTree>
+    <p:extLst>
+      <p:ext uri="{BB962C8B-B14F-4D97-AF65-F5344CB8AC3E}">
+        <p14:creationId xmlns:p14="http://schemas.microsoft.com/office/powerpoint/2010/main" val="1120997136"/>
+      </p:ext>
+    </p:extLst>
+  </p:cSld>
+  <p:clrMapOvr>
+    <a:masterClrMapping/>
+  </p:clrMapOvr>
+  <p:transition>
+    <p:wipe dir="r"/>
+  </p:transition>
+  <p:timing>
+    <p:tnLst>
+      <p:par>
+        <p:cTn id="1" dur="indefinite" restart="never" nodeType="tmRoot"/>
+      </p:par>
+    </p:tnLst>
+  </p:timing>
 </p:sld>
 </file>
 
